--- a/HTML-DEMO.pptx
+++ b/HTML-DEMO.pptx
@@ -28,19 +28,20 @@
     <p:sldId id="286" r:id="rId22"/>
     <p:sldId id="287" r:id="rId23"/>
     <p:sldId id="289" r:id="rId24"/>
-    <p:sldId id="278" r:id="rId25"/>
-    <p:sldId id="279" r:id="rId26"/>
-    <p:sldId id="280" r:id="rId27"/>
-    <p:sldId id="270" r:id="rId28"/>
-    <p:sldId id="269" r:id="rId29"/>
-    <p:sldId id="290" r:id="rId30"/>
-    <p:sldId id="281" r:id="rId31"/>
-    <p:sldId id="271" r:id="rId32"/>
-    <p:sldId id="282" r:id="rId33"/>
-    <p:sldId id="291" r:id="rId34"/>
-    <p:sldId id="284" r:id="rId35"/>
-    <p:sldId id="285" r:id="rId36"/>
-    <p:sldId id="267" r:id="rId37"/>
+    <p:sldId id="296" r:id="rId25"/>
+    <p:sldId id="278" r:id="rId26"/>
+    <p:sldId id="279" r:id="rId27"/>
+    <p:sldId id="280" r:id="rId28"/>
+    <p:sldId id="270" r:id="rId29"/>
+    <p:sldId id="269" r:id="rId30"/>
+    <p:sldId id="290" r:id="rId31"/>
+    <p:sldId id="281" r:id="rId32"/>
+    <p:sldId id="271" r:id="rId33"/>
+    <p:sldId id="282" r:id="rId34"/>
+    <p:sldId id="291" r:id="rId35"/>
+    <p:sldId id="284" r:id="rId36"/>
+    <p:sldId id="285" r:id="rId37"/>
+    <p:sldId id="267" r:id="rId38"/>
   </p:sldIdLst>
   <p:sldSz cx="12192000" cy="6858000"/>
   <p:notesSz cx="6858000" cy="9144000"/>
@@ -373,7 +374,7 @@
           <a:p>
             <a:fld id="{9184DA70-C731-4C70-880D-CCD4705E623C}" type="datetime1">
               <a:rPr lang="en-US" smtClean="0"/>
-              <a:t>3/20/2023</a:t>
+              <a:t>4/29/2023</a:t>
             </a:fld>
             <a:endParaRPr lang="en-US" dirty="0"/>
           </a:p>
@@ -584,7 +585,7 @@
           <a:p>
             <a:fld id="{B612A279-0833-481D-8C56-F67FD0AC6C50}" type="datetime1">
               <a:rPr lang="en-US" smtClean="0"/>
-              <a:t>3/20/2023</a:t>
+              <a:t>4/29/2023</a:t>
             </a:fld>
             <a:endParaRPr lang="en-US" dirty="0"/>
           </a:p>
@@ -843,7 +844,7 @@
           <a:p>
             <a:fld id="{6587DA83-5663-4C9C-B9AA-0B40A3DAFF81}" type="datetime1">
               <a:rPr lang="en-US" smtClean="0"/>
-              <a:t>3/20/2023</a:t>
+              <a:t>4/29/2023</a:t>
             </a:fld>
             <a:endParaRPr lang="en-US" dirty="0"/>
           </a:p>
@@ -1020,7 +1021,7 @@
           <a:p>
             <a:fld id="{4BE1D723-8F53-4F53-90B0-1982A396982E}" type="datetime1">
               <a:rPr lang="en-US" smtClean="0"/>
-              <a:t>3/20/2023</a:t>
+              <a:t>4/29/2023</a:t>
             </a:fld>
             <a:endParaRPr lang="en-US" dirty="0"/>
           </a:p>
@@ -1366,7 +1367,7 @@
           <a:p>
             <a:fld id="{97669AF7-7BEB-44E4-9852-375E34362B5B}" type="datetime1">
               <a:rPr lang="en-US" smtClean="0"/>
-              <a:t>3/20/2023</a:t>
+              <a:t>4/29/2023</a:t>
             </a:fld>
             <a:endParaRPr lang="en-US" dirty="0"/>
           </a:p>
@@ -1644,7 +1645,7 @@
           <a:p>
             <a:fld id="{BAAAC38D-0552-4C82-B593-E6124DFADBE2}" type="datetime1">
               <a:rPr lang="en-US" smtClean="0"/>
-              <a:t>3/20/2023</a:t>
+              <a:t>4/29/2023</a:t>
             </a:fld>
             <a:endParaRPr lang="en-US" dirty="0"/>
           </a:p>
@@ -2026,7 +2027,7 @@
           <a:p>
             <a:fld id="{D9DF0F1C-5577-4ACB-BB62-DF8F3C494C7E}" type="datetime1">
               <a:rPr lang="en-US" smtClean="0"/>
-              <a:t>3/20/2023</a:t>
+              <a:t>4/29/2023</a:t>
             </a:fld>
             <a:endParaRPr lang="en-US" dirty="0"/>
           </a:p>
@@ -2147,7 +2148,7 @@
           <a:p>
             <a:fld id="{1775B394-D9F9-4F0C-B15D-605F45CB9E9F}" type="datetime1">
               <a:rPr lang="en-US" smtClean="0"/>
-              <a:t>3/20/2023</a:t>
+              <a:t>4/29/2023</a:t>
             </a:fld>
             <a:endParaRPr lang="en-US" dirty="0"/>
           </a:p>
@@ -2321,7 +2322,7 @@
           <a:p>
             <a:fld id="{39667345-2558-425A-8533-9BFDBCE15005}" type="datetime1">
               <a:rPr lang="en-US" smtClean="0"/>
-              <a:t>3/20/2023</a:t>
+              <a:t>4/29/2023</a:t>
             </a:fld>
             <a:endParaRPr lang="en-US" dirty="0"/>
           </a:p>
@@ -2678,7 +2679,7 @@
           <a:p>
             <a:fld id="{92BEA474-078D-4E9B-9B14-09A87B19DC46}" type="datetime1">
               <a:rPr lang="en-US" smtClean="0"/>
-              <a:t>3/20/2023</a:t>
+              <a:t>4/29/2023</a:t>
             </a:fld>
             <a:endParaRPr lang="en-US" dirty="0"/>
           </a:p>
@@ -3064,7 +3065,7 @@
           <a:p>
             <a:fld id="{4907D986-8816-4272-A432-0437A28A9828}" type="datetime1">
               <a:rPr lang="en-US" smtClean="0"/>
-              <a:t>3/20/2023</a:t>
+              <a:t>4/29/2023</a:t>
             </a:fld>
             <a:endParaRPr lang="en-US" dirty="0"/>
           </a:p>
@@ -3355,7 +3356,7 @@
           <a:p>
             <a:fld id="{62D6E202-B606-4609-B914-27C9371A1F6D}" type="datetime1">
               <a:rPr lang="en-US" smtClean="0"/>
-              <a:t>3/20/2023</a:t>
+              <a:t>4/29/2023</a:t>
             </a:fld>
             <a:endParaRPr lang="en-US" dirty="0"/>
           </a:p>
@@ -5288,7 +5289,7 @@
             <a:pPr lvl="3"/>
             <a:r>
               <a:rPr lang="en-US" dirty="0"/>
-              <a:t>2H2+O2→2H2O</a:t>
+              <a:t>2H^2+O^2→2H^2O</a:t>
             </a:r>
           </a:p>
           <a:p>
@@ -6000,163 +6001,6 @@
           </a:p>
         </p:txBody>
       </p:sp>
-      <p:sp>
-        <p:nvSpPr>
-          <p:cNvPr id="11" name="TextBox 10">
-            <a:extLst>
-              <a:ext uri="{FF2B5EF4-FFF2-40B4-BE49-F238E27FC236}">
-                <a16:creationId xmlns:a16="http://schemas.microsoft.com/office/drawing/2014/main" id="{4E36CB8C-631F-BD02-8CE0-4DEB40EFB004}"/>
-              </a:ext>
-            </a:extLst>
-          </p:cNvPr>
-          <p:cNvSpPr txBox="1"/>
-          <p:nvPr/>
-        </p:nvSpPr>
-        <p:spPr>
-          <a:xfrm>
-            <a:off x="692460" y="4334147"/>
-            <a:ext cx="11026064" cy="1077218"/>
-          </a:xfrm>
-          <a:prstGeom prst="rect">
-            <a:avLst/>
-          </a:prstGeom>
-          <a:noFill/>
-        </p:spPr>
-        <p:txBody>
-          <a:bodyPr wrap="square" rtlCol="0">
-            <a:spAutoFit/>
-          </a:bodyPr>
-          <a:lstStyle/>
-          <a:p>
-            <a:r>
-              <a:rPr lang="en-IN" sz="2800" b="0" i="0" u="sng" dirty="0">
-                <a:solidFill>
-                  <a:srgbClr val="000000"/>
-                </a:solidFill>
-                <a:effectLst/>
-                <a:latin typeface="Times New Roman" panose="02020603050405020304" pitchFamily="18" charset="0"/>
-                <a:cs typeface="Times New Roman" panose="02020603050405020304" pitchFamily="18" charset="0"/>
-              </a:rPr>
-              <a:t>Button as a Link</a:t>
-            </a:r>
-          </a:p>
-          <a:p>
-            <a:endParaRPr lang="en-IN" dirty="0"/>
-          </a:p>
-          <a:p>
-            <a:r>
-              <a:rPr lang="en-IN" dirty="0">
-                <a:solidFill>
-                  <a:srgbClr val="0000CD"/>
-                </a:solidFill>
-                <a:latin typeface="Consolas" panose="020B0609020204030204" pitchFamily="49" charset="0"/>
-              </a:rPr>
-              <a:t>	</a:t>
-            </a:r>
-            <a:r>
-              <a:rPr lang="en-IN" b="0" i="0" dirty="0">
-                <a:solidFill>
-                  <a:srgbClr val="0000CD"/>
-                </a:solidFill>
-                <a:effectLst/>
-                <a:latin typeface="Consolas" panose="020B0609020204030204" pitchFamily="49" charset="0"/>
-              </a:rPr>
-              <a:t>&lt;</a:t>
-            </a:r>
-            <a:r>
-              <a:rPr lang="en-IN" b="0" i="0" dirty="0">
-                <a:solidFill>
-                  <a:srgbClr val="A52A2A"/>
-                </a:solidFill>
-                <a:effectLst/>
-                <a:latin typeface="Consolas" panose="020B0609020204030204" pitchFamily="49" charset="0"/>
-              </a:rPr>
-              <a:t>button</a:t>
-            </a:r>
-            <a:r>
-              <a:rPr lang="en-IN" b="0" i="0" dirty="0">
-                <a:solidFill>
-                  <a:srgbClr val="FF0000"/>
-                </a:solidFill>
-                <a:effectLst/>
-                <a:latin typeface="Consolas" panose="020B0609020204030204" pitchFamily="49" charset="0"/>
-              </a:rPr>
-              <a:t> onclick</a:t>
-            </a:r>
-            <a:r>
-              <a:rPr lang="en-IN" b="0" i="0" dirty="0">
-                <a:solidFill>
-                  <a:srgbClr val="0000CD"/>
-                </a:solidFill>
-                <a:effectLst/>
-                <a:latin typeface="Consolas" panose="020B0609020204030204" pitchFamily="49" charset="0"/>
-              </a:rPr>
-              <a:t>="</a:t>
-            </a:r>
-            <a:r>
-              <a:rPr lang="en-IN" b="0" i="0" dirty="0" err="1">
-                <a:solidFill>
-                  <a:srgbClr val="0000CD"/>
-                </a:solidFill>
-                <a:effectLst/>
-                <a:latin typeface="Consolas" panose="020B0609020204030204" pitchFamily="49" charset="0"/>
-              </a:rPr>
-              <a:t>document.location</a:t>
-            </a:r>
-            <a:r>
-              <a:rPr lang="en-IN" b="0" i="0" dirty="0">
-                <a:solidFill>
-                  <a:srgbClr val="0000CD"/>
-                </a:solidFill>
-                <a:effectLst/>
-                <a:latin typeface="Consolas" panose="020B0609020204030204" pitchFamily="49" charset="0"/>
-              </a:rPr>
-              <a:t>='default.asp'"&gt;</a:t>
-            </a:r>
-            <a:r>
-              <a:rPr lang="en-IN" b="0" i="0" dirty="0">
-                <a:solidFill>
-                  <a:srgbClr val="000000"/>
-                </a:solidFill>
-                <a:effectLst/>
-                <a:latin typeface="Consolas" panose="020B0609020204030204" pitchFamily="49" charset="0"/>
-              </a:rPr>
-              <a:t>HTML Tutorial</a:t>
-            </a:r>
-            <a:r>
-              <a:rPr lang="en-IN" b="0" i="0" dirty="0">
-                <a:solidFill>
-                  <a:srgbClr val="0000CD"/>
-                </a:solidFill>
-                <a:effectLst/>
-                <a:latin typeface="Consolas" panose="020B0609020204030204" pitchFamily="49" charset="0"/>
-              </a:rPr>
-              <a:t>&lt;</a:t>
-            </a:r>
-            <a:r>
-              <a:rPr lang="en-IN" b="0" i="0" dirty="0">
-                <a:solidFill>
-                  <a:srgbClr val="A52A2A"/>
-                </a:solidFill>
-                <a:effectLst/>
-                <a:latin typeface="Consolas" panose="020B0609020204030204" pitchFamily="49" charset="0"/>
-              </a:rPr>
-              <a:t>/button</a:t>
-            </a:r>
-            <a:r>
-              <a:rPr lang="en-IN" b="0" i="0" dirty="0">
-                <a:solidFill>
-                  <a:srgbClr val="0000CD"/>
-                </a:solidFill>
-                <a:effectLst/>
-                <a:latin typeface="Consolas" panose="020B0609020204030204" pitchFamily="49" charset="0"/>
-              </a:rPr>
-              <a:t>&gt;</a:t>
-            </a:r>
-            <a:endParaRPr lang="en-IN" dirty="0"/>
-          </a:p>
-        </p:txBody>
-      </p:sp>
     </p:spTree>
     <p:extLst>
       <p:ext uri="{BB962C8B-B14F-4D97-AF65-F5344CB8AC3E}">
@@ -6205,7 +6049,7 @@
         <p:spPr>
           <a:xfrm>
             <a:off x="409852" y="417250"/>
-            <a:ext cx="11372295" cy="2246769"/>
+            <a:ext cx="11372295" cy="1969770"/>
           </a:xfrm>
           <a:prstGeom prst="rect">
             <a:avLst/>
@@ -6247,13 +6091,7 @@
           <a:p>
             <a:r>
               <a:rPr lang="en-US" dirty="0"/>
-              <a:t> c)  Horizontal and vertical spacing should be 50 pixels and 80 pixels respectively. </a:t>
-            </a:r>
-          </a:p>
-          <a:p>
-            <a:r>
-              <a:rPr lang="en-US" dirty="0"/>
-              <a:t> d)  Display some text along the cursor when user moves the mouse over the image.</a:t>
+              <a:t>c)  Display some text along the cursor when user moves the mouse over the image.</a:t>
             </a:r>
             <a:endParaRPr lang="en-IN" dirty="0"/>
           </a:p>
@@ -11194,6 +11032,200 @@
           <p:cNvPr id="2" name="TextBox 1">
             <a:extLst>
               <a:ext uri="{FF2B5EF4-FFF2-40B4-BE49-F238E27FC236}">
+                <a16:creationId xmlns:a16="http://schemas.microsoft.com/office/drawing/2014/main" id="{6EBD1BF4-32A0-C2D4-2ED8-A39FD98EA4A7}"/>
+              </a:ext>
+            </a:extLst>
+          </p:cNvPr>
+          <p:cNvSpPr txBox="1"/>
+          <p:nvPr/>
+        </p:nvSpPr>
+        <p:spPr>
+          <a:xfrm>
+            <a:off x="292963" y="204186"/>
+            <a:ext cx="11159231" cy="6740307"/>
+          </a:xfrm>
+          <a:prstGeom prst="rect">
+            <a:avLst/>
+          </a:prstGeom>
+          <a:noFill/>
+        </p:spPr>
+        <p:txBody>
+          <a:bodyPr wrap="square" rtlCol="0">
+            <a:spAutoFit/>
+          </a:bodyPr>
+          <a:lstStyle/>
+          <a:p>
+            <a:r>
+              <a:rPr lang="en-US" u="sng" dirty="0"/>
+              <a:t>TASK-5</a:t>
+            </a:r>
+          </a:p>
+          <a:p>
+            <a:endParaRPr lang="en-US" u="sng" dirty="0"/>
+          </a:p>
+          <a:p>
+            <a:r>
+              <a:rPr lang="en-US" dirty="0"/>
+              <a:t>7. Write the HTML code for the following browser display by considering the following points:</a:t>
+            </a:r>
+          </a:p>
+          <a:p>
+            <a:r>
+              <a:rPr lang="en-US" dirty="0"/>
+              <a:t>Follow these instructions:</a:t>
+            </a:r>
+          </a:p>
+          <a:p>
+            <a:r>
+              <a:rPr lang="en-US" dirty="0"/>
+              <a:t>1) “Internship programs” should be center aligned, Level 2 heading and underlined. </a:t>
+            </a:r>
+          </a:p>
+          <a:p>
+            <a:r>
+              <a:rPr lang="en-US" dirty="0"/>
+              <a:t>2) Background color of whole list should be yellow.</a:t>
+            </a:r>
+          </a:p>
+          <a:p>
+            <a:r>
+              <a:rPr lang="en-US" dirty="0"/>
+              <a:t>3) “PHP”, “Flutter ” and “Data Science” should be hypertext and linked with PHP.html, Flutter.html and Datascience.html respectively.</a:t>
+            </a:r>
+          </a:p>
+          <a:p>
+            <a:endParaRPr lang="en-US" dirty="0"/>
+          </a:p>
+          <a:p>
+            <a:r>
+              <a:rPr lang="en-US" u="sng" dirty="0"/>
+              <a:t>Short Term Courses</a:t>
+            </a:r>
+          </a:p>
+          <a:p>
+            <a:endParaRPr lang="en-US" dirty="0"/>
+          </a:p>
+          <a:p>
+            <a:r>
+              <a:rPr lang="en-US" dirty="0"/>
+              <a:t>A. Web </a:t>
+            </a:r>
+            <a:r>
+              <a:rPr lang="en-US" dirty="0" err="1"/>
+              <a:t>Fullstack</a:t>
+            </a:r>
+            <a:endParaRPr lang="en-US" dirty="0"/>
+          </a:p>
+          <a:p>
+            <a:r>
+              <a:rPr lang="en-US" dirty="0"/>
+              <a:t>o PHP</a:t>
+            </a:r>
+          </a:p>
+          <a:p>
+            <a:r>
+              <a:rPr lang="en-US" dirty="0"/>
+              <a:t>o Python</a:t>
+            </a:r>
+          </a:p>
+          <a:p>
+            <a:r>
+              <a:rPr lang="en-US" dirty="0"/>
+              <a:t>o MERN</a:t>
+            </a:r>
+          </a:p>
+          <a:p>
+            <a:r>
+              <a:rPr lang="en-US" dirty="0"/>
+              <a:t>B. Mobile App Development</a:t>
+            </a:r>
+          </a:p>
+          <a:p>
+            <a:r>
+              <a:rPr lang="en-US" dirty="0"/>
+              <a:t>o Android</a:t>
+            </a:r>
+          </a:p>
+          <a:p>
+            <a:r>
+              <a:rPr lang="en-US" dirty="0"/>
+              <a:t>o Flutter</a:t>
+            </a:r>
+          </a:p>
+          <a:p>
+            <a:r>
+              <a:rPr lang="en-US" dirty="0"/>
+              <a:t>o React Native</a:t>
+            </a:r>
+          </a:p>
+          <a:p>
+            <a:r>
+              <a:rPr lang="en-US" dirty="0"/>
+              <a:t>C. Others</a:t>
+            </a:r>
+          </a:p>
+          <a:p>
+            <a:r>
+              <a:rPr lang="en-US" dirty="0"/>
+              <a:t>o UI/UX</a:t>
+            </a:r>
+          </a:p>
+          <a:p>
+            <a:r>
+              <a:rPr lang="en-US" dirty="0"/>
+              <a:t>o Data Science</a:t>
+            </a:r>
+          </a:p>
+          <a:p>
+            <a:endParaRPr lang="en-US" dirty="0"/>
+          </a:p>
+          <a:p>
+            <a:r>
+              <a:rPr lang="en-US" dirty="0"/>
+              <a:t>20% discount for first 10 admissions, Contact us on 1234567809</a:t>
+            </a:r>
+            <a:endParaRPr lang="en-IN" dirty="0"/>
+          </a:p>
+        </p:txBody>
+      </p:sp>
+    </p:spTree>
+    <p:extLst>
+      <p:ext uri="{BB962C8B-B14F-4D97-AF65-F5344CB8AC3E}">
+        <p14:creationId xmlns:p14="http://schemas.microsoft.com/office/powerpoint/2010/main" val="2683352731"/>
+      </p:ext>
+    </p:extLst>
+  </p:cSld>
+  <p:clrMapOvr>
+    <a:masterClrMapping/>
+  </p:clrMapOvr>
+  <p:transition spd="med">
+    <p:pull/>
+  </p:transition>
+</p:sld>
+</file>
+
+<file path=ppt/slides/slide25.xml><?xml version="1.0" encoding="utf-8"?>
+<p:sld xmlns:a="http://schemas.openxmlformats.org/drawingml/2006/main" xmlns:r="http://schemas.openxmlformats.org/officeDocument/2006/relationships" xmlns:p="http://schemas.openxmlformats.org/presentationml/2006/main">
+  <p:cSld>
+    <p:spTree>
+      <p:nvGrpSpPr>
+        <p:cNvPr id="1" name=""/>
+        <p:cNvGrpSpPr/>
+        <p:nvPr/>
+      </p:nvGrpSpPr>
+      <p:grpSpPr>
+        <a:xfrm>
+          <a:off x="0" y="0"/>
+          <a:ext cx="0" cy="0"/>
+          <a:chOff x="0" y="0"/>
+          <a:chExt cx="0" cy="0"/>
+        </a:xfrm>
+      </p:grpSpPr>
+      <p:sp>
+        <p:nvSpPr>
+          <p:cNvPr id="2" name="TextBox 1">
+            <a:extLst>
+              <a:ext uri="{FF2B5EF4-FFF2-40B4-BE49-F238E27FC236}">
                 <a16:creationId xmlns:a16="http://schemas.microsoft.com/office/drawing/2014/main" id="{318F0C96-A46A-C3D7-7B12-8B2C20E59199}"/>
               </a:ext>
             </a:extLst>
@@ -11368,7 +11400,7 @@
 </p:sld>
 </file>
 
-<file path=ppt/slides/slide25.xml><?xml version="1.0" encoding="utf-8"?>
+<file path=ppt/slides/slide26.xml><?xml version="1.0" encoding="utf-8"?>
 <p:sld xmlns:a="http://schemas.openxmlformats.org/drawingml/2006/main" xmlns:r="http://schemas.openxmlformats.org/officeDocument/2006/relationships" xmlns:p="http://schemas.openxmlformats.org/presentationml/2006/main">
   <p:cSld>
     <p:spTree>
@@ -12727,7 +12759,7 @@
 </p:sld>
 </file>
 
-<file path=ppt/slides/slide26.xml><?xml version="1.0" encoding="utf-8"?>
+<file path=ppt/slides/slide27.xml><?xml version="1.0" encoding="utf-8"?>
 <p:sld xmlns:a="http://schemas.openxmlformats.org/drawingml/2006/main" xmlns:r="http://schemas.openxmlformats.org/officeDocument/2006/relationships" xmlns:p="http://schemas.openxmlformats.org/presentationml/2006/main">
   <p:cSld>
     <p:spTree>
@@ -13651,7 +13683,7 @@
 </p:sld>
 </file>
 
-<file path=ppt/slides/slide27.xml><?xml version="1.0" encoding="utf-8"?>
+<file path=ppt/slides/slide28.xml><?xml version="1.0" encoding="utf-8"?>
 <p:sld xmlns:a="http://schemas.openxmlformats.org/drawingml/2006/main" xmlns:r="http://schemas.openxmlformats.org/officeDocument/2006/relationships" xmlns:p="http://schemas.openxmlformats.org/presentationml/2006/main">
   <p:cSld>
     <p:spTree>
@@ -13985,7 +14017,7 @@
 </p:sld>
 </file>
 
-<file path=ppt/slides/slide28.xml><?xml version="1.0" encoding="utf-8"?>
+<file path=ppt/slides/slide29.xml><?xml version="1.0" encoding="utf-8"?>
 <p:sld xmlns:a="http://schemas.openxmlformats.org/drawingml/2006/main" xmlns:r="http://schemas.openxmlformats.org/officeDocument/2006/relationships" xmlns:p="http://schemas.openxmlformats.org/presentationml/2006/main">
   <p:cSld>
     <p:spTree>
@@ -14160,7 +14192,27 @@
                 <a:effectLst/>
                 <a:latin typeface="Consolas" panose="020B0609020204030204" pitchFamily="49" charset="0"/>
               </a:rPr>
-              <a:t>    &lt;th&gt;Country&lt;/th&gt;</a:t>
+              <a:t>    &lt;</a:t>
+            </a:r>
+            <a:r>
+              <a:rPr lang="en-IN" b="0" i="0" dirty="0" err="1">
+                <a:solidFill>
+                  <a:schemeClr val="tx1"/>
+                </a:solidFill>
+                <a:effectLst/>
+                <a:latin typeface="Consolas" panose="020B0609020204030204" pitchFamily="49" charset="0"/>
+              </a:rPr>
+              <a:t>th</a:t>
+            </a:r>
+            <a:r>
+              <a:rPr lang="en-IN" b="0" i="0" dirty="0">
+                <a:solidFill>
+                  <a:schemeClr val="tx1"/>
+                </a:solidFill>
+                <a:effectLst/>
+                <a:latin typeface="Consolas" panose="020B0609020204030204" pitchFamily="49" charset="0"/>
+              </a:rPr>
+              <a:t>&gt;Place&lt;/th&gt;</a:t>
             </a:r>
             <a:br>
               <a:rPr lang="en-IN" dirty="0">
@@ -14228,7 +14280,7 @@
                 <a:effectLst/>
                 <a:latin typeface="Consolas" panose="020B0609020204030204" pitchFamily="49" charset="0"/>
               </a:rPr>
-              <a:t>    &lt;td&gt;Maria Anders&lt;/td&gt;</a:t>
+              <a:t>    &lt;td&gt;95478124&lt;/td&gt;</a:t>
             </a:r>
             <a:br>
               <a:rPr lang="en-IN" dirty="0">
@@ -14313,7 +14365,7 @@
                 <a:effectLst/>
                 <a:latin typeface="Consolas" panose="020B0609020204030204" pitchFamily="49" charset="0"/>
               </a:rPr>
-              <a:t>    &lt;td&gt;Francisco Chang&lt;/td&gt;</a:t>
+              <a:t>    &lt;td&gt;784556214&lt;/td&gt;</a:t>
             </a:r>
             <a:br>
               <a:rPr lang="en-IN" dirty="0">
@@ -14378,111 +14430,6 @@
     <p:extLst>
       <p:ext uri="{BB962C8B-B14F-4D97-AF65-F5344CB8AC3E}">
         <p14:creationId xmlns:p14="http://schemas.microsoft.com/office/powerpoint/2010/main" val="3381653450"/>
-      </p:ext>
-    </p:extLst>
-  </p:cSld>
-  <p:clrMapOvr>
-    <a:masterClrMapping/>
-  </p:clrMapOvr>
-  <p:transition spd="med">
-    <p:pull/>
-  </p:transition>
-</p:sld>
-</file>
-
-<file path=ppt/slides/slide29.xml><?xml version="1.0" encoding="utf-8"?>
-<p:sld xmlns:a="http://schemas.openxmlformats.org/drawingml/2006/main" xmlns:r="http://schemas.openxmlformats.org/officeDocument/2006/relationships" xmlns:p="http://schemas.openxmlformats.org/presentationml/2006/main">
-  <p:cSld>
-    <p:spTree>
-      <p:nvGrpSpPr>
-        <p:cNvPr id="1" name=""/>
-        <p:cNvGrpSpPr/>
-        <p:nvPr/>
-      </p:nvGrpSpPr>
-      <p:grpSpPr>
-        <a:xfrm>
-          <a:off x="0" y="0"/>
-          <a:ext cx="0" cy="0"/>
-          <a:chOff x="0" y="0"/>
-          <a:chExt cx="0" cy="0"/>
-        </a:xfrm>
-      </p:grpSpPr>
-      <p:sp>
-        <p:nvSpPr>
-          <p:cNvPr id="2" name="TextBox 1">
-            <a:extLst>
-              <a:ext uri="{FF2B5EF4-FFF2-40B4-BE49-F238E27FC236}">
-                <a16:creationId xmlns:a16="http://schemas.microsoft.com/office/drawing/2014/main" id="{0890FEBA-86E2-D8DE-61A6-43559855964A}"/>
-              </a:ext>
-            </a:extLst>
-          </p:cNvPr>
-          <p:cNvSpPr txBox="1"/>
-          <p:nvPr/>
-        </p:nvSpPr>
-        <p:spPr>
-          <a:xfrm>
-            <a:off x="896645" y="514905"/>
-            <a:ext cx="8291743" cy="523220"/>
-          </a:xfrm>
-          <a:prstGeom prst="rect">
-            <a:avLst/>
-          </a:prstGeom>
-          <a:noFill/>
-        </p:spPr>
-        <p:txBody>
-          <a:bodyPr wrap="square" rtlCol="0">
-            <a:spAutoFit/>
-          </a:bodyPr>
-          <a:lstStyle/>
-          <a:p>
-            <a:r>
-              <a:rPr lang="en-US" sz="2800" dirty="0"/>
-              <a:t>TASK-6</a:t>
-            </a:r>
-            <a:endParaRPr lang="en-IN" sz="2800" dirty="0"/>
-          </a:p>
-        </p:txBody>
-      </p:sp>
-      <p:sp>
-        <p:nvSpPr>
-          <p:cNvPr id="3" name="TextBox 2">
-            <a:extLst>
-              <a:ext uri="{FF2B5EF4-FFF2-40B4-BE49-F238E27FC236}">
-                <a16:creationId xmlns:a16="http://schemas.microsoft.com/office/drawing/2014/main" id="{011749C2-1F04-26A4-F706-89E7C591F44E}"/>
-              </a:ext>
-            </a:extLst>
-          </p:cNvPr>
-          <p:cNvSpPr txBox="1"/>
-          <p:nvPr/>
-        </p:nvSpPr>
-        <p:spPr>
-          <a:xfrm>
-            <a:off x="967666" y="1233996"/>
-            <a:ext cx="10315852" cy="369332"/>
-          </a:xfrm>
-          <a:prstGeom prst="rect">
-            <a:avLst/>
-          </a:prstGeom>
-          <a:noFill/>
-        </p:spPr>
-        <p:txBody>
-          <a:bodyPr wrap="square" rtlCol="0">
-            <a:spAutoFit/>
-          </a:bodyPr>
-          <a:lstStyle/>
-          <a:p>
-            <a:r>
-              <a:rPr lang="en-US" dirty="0"/>
-              <a:t>Lengthy table</a:t>
-            </a:r>
-            <a:endParaRPr lang="en-IN" dirty="0"/>
-          </a:p>
-        </p:txBody>
-      </p:sp>
-    </p:spTree>
-    <p:extLst>
-      <p:ext uri="{BB962C8B-B14F-4D97-AF65-F5344CB8AC3E}">
-        <p14:creationId xmlns:p14="http://schemas.microsoft.com/office/powerpoint/2010/main" val="442226237"/>
       </p:ext>
     </p:extLst>
   </p:cSld>
@@ -15159,6 +15106,111 @@
       </p:grpSpPr>
       <p:sp>
         <p:nvSpPr>
+          <p:cNvPr id="2" name="TextBox 1">
+            <a:extLst>
+              <a:ext uri="{FF2B5EF4-FFF2-40B4-BE49-F238E27FC236}">
+                <a16:creationId xmlns:a16="http://schemas.microsoft.com/office/drawing/2014/main" id="{0890FEBA-86E2-D8DE-61A6-43559855964A}"/>
+              </a:ext>
+            </a:extLst>
+          </p:cNvPr>
+          <p:cNvSpPr txBox="1"/>
+          <p:nvPr/>
+        </p:nvSpPr>
+        <p:spPr>
+          <a:xfrm>
+            <a:off x="896645" y="514905"/>
+            <a:ext cx="8291743" cy="523220"/>
+          </a:xfrm>
+          <a:prstGeom prst="rect">
+            <a:avLst/>
+          </a:prstGeom>
+          <a:noFill/>
+        </p:spPr>
+        <p:txBody>
+          <a:bodyPr wrap="square" rtlCol="0">
+            <a:spAutoFit/>
+          </a:bodyPr>
+          <a:lstStyle/>
+          <a:p>
+            <a:r>
+              <a:rPr lang="en-US" sz="2800" dirty="0"/>
+              <a:t>TASK-6</a:t>
+            </a:r>
+            <a:endParaRPr lang="en-IN" sz="2800" dirty="0"/>
+          </a:p>
+        </p:txBody>
+      </p:sp>
+      <p:sp>
+        <p:nvSpPr>
+          <p:cNvPr id="3" name="TextBox 2">
+            <a:extLst>
+              <a:ext uri="{FF2B5EF4-FFF2-40B4-BE49-F238E27FC236}">
+                <a16:creationId xmlns:a16="http://schemas.microsoft.com/office/drawing/2014/main" id="{011749C2-1F04-26A4-F706-89E7C591F44E}"/>
+              </a:ext>
+            </a:extLst>
+          </p:cNvPr>
+          <p:cNvSpPr txBox="1"/>
+          <p:nvPr/>
+        </p:nvSpPr>
+        <p:spPr>
+          <a:xfrm>
+            <a:off x="967666" y="1233996"/>
+            <a:ext cx="10315852" cy="369332"/>
+          </a:xfrm>
+          <a:prstGeom prst="rect">
+            <a:avLst/>
+          </a:prstGeom>
+          <a:noFill/>
+        </p:spPr>
+        <p:txBody>
+          <a:bodyPr wrap="square" rtlCol="0">
+            <a:spAutoFit/>
+          </a:bodyPr>
+          <a:lstStyle/>
+          <a:p>
+            <a:r>
+              <a:rPr lang="en-US" dirty="0"/>
+              <a:t>Lengthy table</a:t>
+            </a:r>
+            <a:endParaRPr lang="en-IN" dirty="0"/>
+          </a:p>
+        </p:txBody>
+      </p:sp>
+    </p:spTree>
+    <p:extLst>
+      <p:ext uri="{BB962C8B-B14F-4D97-AF65-F5344CB8AC3E}">
+        <p14:creationId xmlns:p14="http://schemas.microsoft.com/office/powerpoint/2010/main" val="442226237"/>
+      </p:ext>
+    </p:extLst>
+  </p:cSld>
+  <p:clrMapOvr>
+    <a:masterClrMapping/>
+  </p:clrMapOvr>
+  <p:transition spd="med">
+    <p:pull/>
+  </p:transition>
+</p:sld>
+</file>
+
+<file path=ppt/slides/slide31.xml><?xml version="1.0" encoding="utf-8"?>
+<p:sld xmlns:a="http://schemas.openxmlformats.org/drawingml/2006/main" xmlns:r="http://schemas.openxmlformats.org/officeDocument/2006/relationships" xmlns:p="http://schemas.openxmlformats.org/presentationml/2006/main">
+  <p:cSld>
+    <p:spTree>
+      <p:nvGrpSpPr>
+        <p:cNvPr id="1" name=""/>
+        <p:cNvGrpSpPr/>
+        <p:nvPr/>
+      </p:nvGrpSpPr>
+      <p:grpSpPr>
+        <a:xfrm>
+          <a:off x="0" y="0"/>
+          <a:ext cx="0" cy="0"/>
+          <a:chOff x="0" y="0"/>
+          <a:chExt cx="0" cy="0"/>
+        </a:xfrm>
+      </p:grpSpPr>
+      <p:sp>
+        <p:nvSpPr>
           <p:cNvPr id="4" name="TextBox 3">
             <a:extLst>
               <a:ext uri="{FF2B5EF4-FFF2-40B4-BE49-F238E27FC236}">
@@ -15413,7 +15465,7 @@
 </p:sld>
 </file>
 
-<file path=ppt/slides/slide31.xml><?xml version="1.0" encoding="utf-8"?>
+<file path=ppt/slides/slide32.xml><?xml version="1.0" encoding="utf-8"?>
 <p:sld xmlns:a="http://schemas.openxmlformats.org/drawingml/2006/main" xmlns:r="http://schemas.openxmlformats.org/officeDocument/2006/relationships" xmlns:p="http://schemas.openxmlformats.org/presentationml/2006/main">
   <p:cSld>
     <p:spTree>
@@ -16199,7 +16251,7 @@
 </p:sld>
 </file>
 
-<file path=ppt/slides/slide32.xml><?xml version="1.0" encoding="utf-8"?>
+<file path=ppt/slides/slide33.xml><?xml version="1.0" encoding="utf-8"?>
 <p:sld xmlns:a="http://schemas.openxmlformats.org/drawingml/2006/main" xmlns:r="http://schemas.openxmlformats.org/officeDocument/2006/relationships" xmlns:p="http://schemas.openxmlformats.org/presentationml/2006/main">
   <p:cSld>
     <p:spTree>
@@ -16348,7 +16400,7 @@
 </p:sld>
 </file>
 
-<file path=ppt/slides/slide33.xml><?xml version="1.0" encoding="utf-8"?>
+<file path=ppt/slides/slide34.xml><?xml version="1.0" encoding="utf-8"?>
 <p:sld xmlns:a="http://schemas.openxmlformats.org/drawingml/2006/main" xmlns:r="http://schemas.openxmlformats.org/officeDocument/2006/relationships" xmlns:p="http://schemas.openxmlformats.org/presentationml/2006/main">
   <p:cSld>
     <p:spTree>
@@ -16689,7 +16741,7 @@
 </p:sld>
 </file>
 
-<file path=ppt/slides/slide34.xml><?xml version="1.0" encoding="utf-8"?>
+<file path=ppt/slides/slide35.xml><?xml version="1.0" encoding="utf-8"?>
 <p:sld xmlns:a="http://schemas.openxmlformats.org/drawingml/2006/main" xmlns:r="http://schemas.openxmlformats.org/officeDocument/2006/relationships" xmlns:p="http://schemas.openxmlformats.org/presentationml/2006/main">
   <p:cSld>
     <p:spTree>
@@ -16906,7 +16958,7 @@
 </p:sld>
 </file>
 
-<file path=ppt/slides/slide35.xml><?xml version="1.0" encoding="utf-8"?>
+<file path=ppt/slides/slide36.xml><?xml version="1.0" encoding="utf-8"?>
 <p:sld xmlns:a="http://schemas.openxmlformats.org/drawingml/2006/main" xmlns:r="http://schemas.openxmlformats.org/officeDocument/2006/relationships" xmlns:p="http://schemas.openxmlformats.org/presentationml/2006/main">
   <p:cSld>
     <p:spTree>
@@ -17084,7 +17136,7 @@
 </p:sld>
 </file>
 
-<file path=ppt/slides/slide36.xml><?xml version="1.0" encoding="utf-8"?>
+<file path=ppt/slides/slide37.xml><?xml version="1.0" encoding="utf-8"?>
 <p:sld xmlns:a="http://schemas.openxmlformats.org/drawingml/2006/main" xmlns:r="http://schemas.openxmlformats.org/officeDocument/2006/relationships" xmlns:p="http://schemas.openxmlformats.org/presentationml/2006/main">
   <p:cSld>
     <p:spTree>
